--- a/documents/Présentation MCR.pptx
+++ b/documents/Présentation MCR.pptx
@@ -7,13 +7,13 @@
   <p:sldIdLst>
     <p:sldId id="256" r:id="rId2"/>
     <p:sldId id="257" r:id="rId3"/>
-    <p:sldId id="258" r:id="rId4"/>
-    <p:sldId id="264" r:id="rId5"/>
-    <p:sldId id="259" r:id="rId6"/>
-    <p:sldId id="262" r:id="rId7"/>
-    <p:sldId id="263" r:id="rId8"/>
-    <p:sldId id="261" r:id="rId9"/>
-    <p:sldId id="260" r:id="rId10"/>
+    <p:sldId id="259" r:id="rId4"/>
+    <p:sldId id="263" r:id="rId5"/>
+    <p:sldId id="262" r:id="rId6"/>
+    <p:sldId id="264" r:id="rId7"/>
+    <p:sldId id="265" r:id="rId8"/>
+    <p:sldId id="258" r:id="rId9"/>
+    <p:sldId id="261" r:id="rId10"/>
   </p:sldIdLst>
   <p:sldSz cx="12192000" cy="6858000"/>
   <p:notesSz cx="6858000" cy="9144000"/>
@@ -3962,7 +3962,10 @@
           <a:bodyPr/>
           <a:lstStyle/>
           <a:p>
-            <a:endParaRPr lang="fr-CH" dirty="0"/>
+            <a:r>
+              <a:rPr lang="fr-CH" dirty="0"/>
+              <a:t>Introduction</a:t>
+            </a:r>
           </a:p>
         </p:txBody>
       </p:sp>
@@ -4005,166 +4008,6 @@
 </file>
 
 <file path=ppt/slides/slide3.xml><?xml version="1.0" encoding="utf-8"?>
-<p:sld xmlns:a="http://schemas.openxmlformats.org/drawingml/2006/main" xmlns:r="http://schemas.openxmlformats.org/officeDocument/2006/relationships" xmlns:p="http://schemas.openxmlformats.org/presentationml/2006/main">
-  <p:cSld>
-    <p:spTree>
-      <p:nvGrpSpPr>
-        <p:cNvPr id="1" name=""/>
-        <p:cNvGrpSpPr/>
-        <p:nvPr/>
-      </p:nvGrpSpPr>
-      <p:grpSpPr>
-        <a:xfrm>
-          <a:off x="0" y="0"/>
-          <a:ext cx="0" cy="0"/>
-          <a:chOff x="0" y="0"/>
-          <a:chExt cx="0" cy="0"/>
-        </a:xfrm>
-      </p:grpSpPr>
-      <p:sp>
-        <p:nvSpPr>
-          <p:cNvPr id="2" name="Titre 1">
-            <a:extLst>
-              <a:ext uri="{FF2B5EF4-FFF2-40B4-BE49-F238E27FC236}">
-                <a16:creationId xmlns:a16="http://schemas.microsoft.com/office/drawing/2014/main" id="{098915D1-C1BE-4E80-BFC0-235F45179813}"/>
-              </a:ext>
-            </a:extLst>
-          </p:cNvPr>
-          <p:cNvSpPr>
-            <a:spLocks noGrp="1"/>
-          </p:cNvSpPr>
-          <p:nvPr>
-            <p:ph type="title"/>
-          </p:nvPr>
-        </p:nvSpPr>
-        <p:spPr/>
-        <p:txBody>
-          <a:bodyPr/>
-          <a:lstStyle/>
-          <a:p>
-            <a:endParaRPr lang="fr-CH"/>
-          </a:p>
-        </p:txBody>
-      </p:sp>
-      <p:sp>
-        <p:nvSpPr>
-          <p:cNvPr id="3" name="Espace réservé du contenu 2">
-            <a:extLst>
-              <a:ext uri="{FF2B5EF4-FFF2-40B4-BE49-F238E27FC236}">
-                <a16:creationId xmlns:a16="http://schemas.microsoft.com/office/drawing/2014/main" id="{177753B7-5832-4674-AF97-64707417AA3C}"/>
-              </a:ext>
-            </a:extLst>
-          </p:cNvPr>
-          <p:cNvSpPr>
-            <a:spLocks noGrp="1"/>
-          </p:cNvSpPr>
-          <p:nvPr>
-            <p:ph idx="1"/>
-          </p:nvPr>
-        </p:nvSpPr>
-        <p:spPr/>
-        <p:txBody>
-          <a:bodyPr/>
-          <a:lstStyle/>
-          <a:p>
-            <a:endParaRPr lang="fr-CH"/>
-          </a:p>
-        </p:txBody>
-      </p:sp>
-    </p:spTree>
-    <p:extLst>
-      <p:ext uri="{BB962C8B-B14F-4D97-AF65-F5344CB8AC3E}">
-        <p14:creationId xmlns:p14="http://schemas.microsoft.com/office/powerpoint/2010/main" val="4279153644"/>
-      </p:ext>
-    </p:extLst>
-  </p:cSld>
-  <p:clrMapOvr>
-    <a:masterClrMapping/>
-  </p:clrMapOvr>
-</p:sld>
-</file>
-
-<file path=ppt/slides/slide4.xml><?xml version="1.0" encoding="utf-8"?>
-<p:sld xmlns:a="http://schemas.openxmlformats.org/drawingml/2006/main" xmlns:r="http://schemas.openxmlformats.org/officeDocument/2006/relationships" xmlns:p="http://schemas.openxmlformats.org/presentationml/2006/main">
-  <p:cSld>
-    <p:spTree>
-      <p:nvGrpSpPr>
-        <p:cNvPr id="1" name=""/>
-        <p:cNvGrpSpPr/>
-        <p:nvPr/>
-      </p:nvGrpSpPr>
-      <p:grpSpPr>
-        <a:xfrm>
-          <a:off x="0" y="0"/>
-          <a:ext cx="0" cy="0"/>
-          <a:chOff x="0" y="0"/>
-          <a:chExt cx="0" cy="0"/>
-        </a:xfrm>
-      </p:grpSpPr>
-      <p:sp>
-        <p:nvSpPr>
-          <p:cNvPr id="2" name="Titre 1">
-            <a:extLst>
-              <a:ext uri="{FF2B5EF4-FFF2-40B4-BE49-F238E27FC236}">
-                <a16:creationId xmlns:a16="http://schemas.microsoft.com/office/drawing/2014/main" id="{9CE783EE-3E96-4570-840F-9F8EFDEB0CE1}"/>
-              </a:ext>
-            </a:extLst>
-          </p:cNvPr>
-          <p:cNvSpPr>
-            <a:spLocks noGrp="1"/>
-          </p:cNvSpPr>
-          <p:nvPr>
-            <p:ph type="title"/>
-          </p:nvPr>
-        </p:nvSpPr>
-        <p:spPr/>
-        <p:txBody>
-          <a:bodyPr/>
-          <a:lstStyle/>
-          <a:p>
-            <a:endParaRPr lang="fr-CH"/>
-          </a:p>
-        </p:txBody>
-      </p:sp>
-      <p:sp>
-        <p:nvSpPr>
-          <p:cNvPr id="3" name="Espace réservé du contenu 2">
-            <a:extLst>
-              <a:ext uri="{FF2B5EF4-FFF2-40B4-BE49-F238E27FC236}">
-                <a16:creationId xmlns:a16="http://schemas.microsoft.com/office/drawing/2014/main" id="{221F94FA-770C-42FF-BDAB-CCE93E349403}"/>
-              </a:ext>
-            </a:extLst>
-          </p:cNvPr>
-          <p:cNvSpPr>
-            <a:spLocks noGrp="1"/>
-          </p:cNvSpPr>
-          <p:nvPr>
-            <p:ph idx="1"/>
-          </p:nvPr>
-        </p:nvSpPr>
-        <p:spPr/>
-        <p:txBody>
-          <a:bodyPr/>
-          <a:lstStyle/>
-          <a:p>
-            <a:endParaRPr lang="fr-CH"/>
-          </a:p>
-        </p:txBody>
-      </p:sp>
-    </p:spTree>
-    <p:extLst>
-      <p:ext uri="{BB962C8B-B14F-4D97-AF65-F5344CB8AC3E}">
-        <p14:creationId xmlns:p14="http://schemas.microsoft.com/office/powerpoint/2010/main" val="3218297402"/>
-      </p:ext>
-    </p:extLst>
-  </p:cSld>
-  <p:clrMapOvr>
-    <a:masterClrMapping/>
-  </p:clrMapOvr>
-</p:sld>
-</file>
-
-<file path=ppt/slides/slide5.xml><?xml version="1.0" encoding="utf-8"?>
 <p:sld xmlns:a="http://schemas.openxmlformats.org/drawingml/2006/main" xmlns:r="http://schemas.openxmlformats.org/officeDocument/2006/relationships" xmlns:p="http://schemas.openxmlformats.org/presentationml/2006/main">
   <p:cSld>
     <p:bg>
@@ -4654,7 +4497,7 @@
 </p:sld>
 </file>
 
-<file path=ppt/slides/slide6.xml><?xml version="1.0" encoding="utf-8"?>
+<file path=ppt/slides/slide4.xml><?xml version="1.0" encoding="utf-8"?>
 <p:sld xmlns:a="http://schemas.openxmlformats.org/drawingml/2006/main" xmlns:r="http://schemas.openxmlformats.org/officeDocument/2006/relationships" xmlns:p="http://schemas.openxmlformats.org/presentationml/2006/main">
   <p:cSld>
     <p:spTree>
@@ -4676,6 +4519,93 @@
           <p:cNvPr id="2" name="Titre 1">
             <a:extLst>
               <a:ext uri="{FF2B5EF4-FFF2-40B4-BE49-F238E27FC236}">
+                <a16:creationId xmlns:a16="http://schemas.microsoft.com/office/drawing/2014/main" id="{B1070B2B-AD15-4ABF-94BA-C61DD3613212}"/>
+              </a:ext>
+            </a:extLst>
+          </p:cNvPr>
+          <p:cNvSpPr>
+            <a:spLocks noGrp="1"/>
+          </p:cNvSpPr>
+          <p:nvPr>
+            <p:ph type="title"/>
+          </p:nvPr>
+        </p:nvSpPr>
+        <p:spPr/>
+        <p:txBody>
+          <a:bodyPr/>
+          <a:lstStyle/>
+          <a:p>
+            <a:r>
+              <a:rPr lang="fr-CH" dirty="0"/>
+              <a:t>Séquences</a:t>
+            </a:r>
+          </a:p>
+        </p:txBody>
+      </p:sp>
+      <p:pic>
+        <p:nvPicPr>
+          <p:cNvPr id="5" name="Espace réservé du contenu 4">
+            <a:extLst>
+              <a:ext uri="{FF2B5EF4-FFF2-40B4-BE49-F238E27FC236}">
+                <a16:creationId xmlns:a16="http://schemas.microsoft.com/office/drawing/2014/main" id="{77030E9E-3908-4C44-89F3-28C61416261F}"/>
+              </a:ext>
+            </a:extLst>
+          </p:cNvPr>
+          <p:cNvPicPr>
+            <a:picLocks noGrp="1" noChangeAspect="1"/>
+          </p:cNvPicPr>
+          <p:nvPr>
+            <p:ph idx="1"/>
+          </p:nvPr>
+        </p:nvPicPr>
+        <p:blipFill>
+          <a:blip r:embed="rId2"/>
+          <a:stretch>
+            <a:fillRect/>
+          </a:stretch>
+        </p:blipFill>
+        <p:spPr>
+          <a:xfrm>
+            <a:off x="3065403" y="2286000"/>
+            <a:ext cx="6213594" cy="3581400"/>
+          </a:xfrm>
+        </p:spPr>
+      </p:pic>
+    </p:spTree>
+    <p:extLst>
+      <p:ext uri="{BB962C8B-B14F-4D97-AF65-F5344CB8AC3E}">
+        <p14:creationId xmlns:p14="http://schemas.microsoft.com/office/powerpoint/2010/main" val="3455958842"/>
+      </p:ext>
+    </p:extLst>
+  </p:cSld>
+  <p:clrMapOvr>
+    <a:masterClrMapping/>
+  </p:clrMapOvr>
+</p:sld>
+</file>
+
+<file path=ppt/slides/slide5.xml><?xml version="1.0" encoding="utf-8"?>
+<p:sld xmlns:a="http://schemas.openxmlformats.org/drawingml/2006/main" xmlns:r="http://schemas.openxmlformats.org/officeDocument/2006/relationships" xmlns:p="http://schemas.openxmlformats.org/presentationml/2006/main">
+  <p:cSld>
+    <p:spTree>
+      <p:nvGrpSpPr>
+        <p:cNvPr id="1" name=""/>
+        <p:cNvGrpSpPr/>
+        <p:nvPr/>
+      </p:nvGrpSpPr>
+      <p:grpSpPr>
+        <a:xfrm>
+          <a:off x="0" y="0"/>
+          <a:ext cx="0" cy="0"/>
+          <a:chOff x="0" y="0"/>
+          <a:chExt cx="0" cy="0"/>
+        </a:xfrm>
+      </p:grpSpPr>
+      <p:sp>
+        <p:nvSpPr>
+          <p:cNvPr id="2" name="Titre 1">
+            <a:extLst>
+              <a:ext uri="{FF2B5EF4-FFF2-40B4-BE49-F238E27FC236}">
                 <a16:creationId xmlns:a16="http://schemas.microsoft.com/office/drawing/2014/main" id="{BFFF95A6-5464-4355-AB82-6F36BB83FDC8}"/>
               </a:ext>
             </a:extLst>
@@ -4694,7 +4624,7 @@
           <a:p>
             <a:r>
               <a:rPr lang="fr-CH" dirty="0"/>
-              <a:t>Exemple</a:t>
+              <a:t>Exemples</a:t>
             </a:r>
           </a:p>
         </p:txBody>
@@ -4808,6 +4738,97 @@
 </p:sld>
 </file>
 
+<file path=ppt/slides/slide6.xml><?xml version="1.0" encoding="utf-8"?>
+<p:sld xmlns:a="http://schemas.openxmlformats.org/drawingml/2006/main" xmlns:r="http://schemas.openxmlformats.org/officeDocument/2006/relationships" xmlns:p="http://schemas.openxmlformats.org/presentationml/2006/main">
+  <p:cSld>
+    <p:spTree>
+      <p:nvGrpSpPr>
+        <p:cNvPr id="1" name=""/>
+        <p:cNvGrpSpPr/>
+        <p:nvPr/>
+      </p:nvGrpSpPr>
+      <p:grpSpPr>
+        <a:xfrm>
+          <a:off x="0" y="0"/>
+          <a:ext cx="0" cy="0"/>
+          <a:chOff x="0" y="0"/>
+          <a:chExt cx="0" cy="0"/>
+        </a:xfrm>
+      </p:grpSpPr>
+      <p:sp>
+        <p:nvSpPr>
+          <p:cNvPr id="2" name="Titre 1">
+            <a:extLst>
+              <a:ext uri="{FF2B5EF4-FFF2-40B4-BE49-F238E27FC236}">
+                <a16:creationId xmlns:a16="http://schemas.microsoft.com/office/drawing/2014/main" id="{9CE783EE-3E96-4570-840F-9F8EFDEB0CE1}"/>
+              </a:ext>
+            </a:extLst>
+          </p:cNvPr>
+          <p:cNvSpPr>
+            <a:spLocks noGrp="1"/>
+          </p:cNvSpPr>
+          <p:nvPr>
+            <p:ph type="title"/>
+          </p:nvPr>
+        </p:nvSpPr>
+        <p:spPr/>
+        <p:txBody>
+          <a:bodyPr/>
+          <a:lstStyle/>
+          <a:p>
+            <a:r>
+              <a:rPr lang="fr-CH" dirty="0"/>
+              <a:t>Implémentation</a:t>
+            </a:r>
+          </a:p>
+        </p:txBody>
+      </p:sp>
+      <p:sp>
+        <p:nvSpPr>
+          <p:cNvPr id="3" name="Espace réservé du contenu 2">
+            <a:extLst>
+              <a:ext uri="{FF2B5EF4-FFF2-40B4-BE49-F238E27FC236}">
+                <a16:creationId xmlns:a16="http://schemas.microsoft.com/office/drawing/2014/main" id="{221F94FA-770C-42FF-BDAB-CCE93E349403}"/>
+              </a:ext>
+            </a:extLst>
+          </p:cNvPr>
+          <p:cNvSpPr>
+            <a:spLocks noGrp="1"/>
+          </p:cNvSpPr>
+          <p:nvPr>
+            <p:ph idx="1"/>
+          </p:nvPr>
+        </p:nvSpPr>
+        <p:spPr/>
+        <p:txBody>
+          <a:bodyPr/>
+          <a:lstStyle/>
+          <a:p>
+            <a:r>
+              <a:rPr lang="fr-CH" dirty="0"/>
+              <a:t>Exemple des Road/</a:t>
+            </a:r>
+            <a:r>
+              <a:rPr lang="fr-CH" dirty="0" err="1"/>
+              <a:t>Vehicules</a:t>
+            </a:r>
+            <a:endParaRPr lang="fr-CH" dirty="0"/>
+          </a:p>
+        </p:txBody>
+      </p:sp>
+    </p:spTree>
+    <p:extLst>
+      <p:ext uri="{BB962C8B-B14F-4D97-AF65-F5344CB8AC3E}">
+        <p14:creationId xmlns:p14="http://schemas.microsoft.com/office/powerpoint/2010/main" val="3218297402"/>
+      </p:ext>
+    </p:extLst>
+  </p:cSld>
+  <p:clrMapOvr>
+    <a:masterClrMapping/>
+  </p:clrMapOvr>
+</p:sld>
+</file>
+
 <file path=ppt/slides/slide7.xml><?xml version="1.0" encoding="utf-8"?>
 <p:sld xmlns:a="http://schemas.openxmlformats.org/drawingml/2006/main" xmlns:r="http://schemas.openxmlformats.org/officeDocument/2006/relationships" xmlns:p="http://schemas.openxmlformats.org/presentationml/2006/main">
   <p:cSld>
@@ -4830,7 +4851,7 @@
           <p:cNvPr id="2" name="Titre 1">
             <a:extLst>
               <a:ext uri="{FF2B5EF4-FFF2-40B4-BE49-F238E27FC236}">
-                <a16:creationId xmlns:a16="http://schemas.microsoft.com/office/drawing/2014/main" id="{B1070B2B-AD15-4ABF-94BA-C61DD3613212}"/>
+                <a16:creationId xmlns:a16="http://schemas.microsoft.com/office/drawing/2014/main" id="{7EAD78BC-BBE2-4D58-BEEE-A4205D17EB6F}"/>
               </a:ext>
             </a:extLst>
           </p:cNvPr>
@@ -4846,7 +4867,10 @@
           <a:bodyPr/>
           <a:lstStyle/>
           <a:p>
-            <a:endParaRPr lang="fr-CH"/>
+            <a:r>
+              <a:rPr lang="fr-CH" dirty="0"/>
+              <a:t>Contexte d’applications</a:t>
+            </a:r>
           </a:p>
         </p:txBody>
       </p:sp>
@@ -4855,7 +4879,7 @@
           <p:cNvPr id="3" name="Espace réservé du contenu 2">
             <a:extLst>
               <a:ext uri="{FF2B5EF4-FFF2-40B4-BE49-F238E27FC236}">
-                <a16:creationId xmlns:a16="http://schemas.microsoft.com/office/drawing/2014/main" id="{C41E5E75-A274-485F-9106-E6D450F7DB6A}"/>
+                <a16:creationId xmlns:a16="http://schemas.microsoft.com/office/drawing/2014/main" id="{D3C98790-9F4F-4033-AC8A-E4B379564F88}"/>
               </a:ext>
             </a:extLst>
           </p:cNvPr>
@@ -4878,7 +4902,7 @@
     </p:spTree>
     <p:extLst>
       <p:ext uri="{BB962C8B-B14F-4D97-AF65-F5344CB8AC3E}">
-        <p14:creationId xmlns:p14="http://schemas.microsoft.com/office/powerpoint/2010/main" val="3455958842"/>
+        <p14:creationId xmlns:p14="http://schemas.microsoft.com/office/powerpoint/2010/main" val="1520640292"/>
       </p:ext>
     </p:extLst>
   </p:cSld>
@@ -4910,7 +4934,7 @@
           <p:cNvPr id="2" name="Titre 1">
             <a:extLst>
               <a:ext uri="{FF2B5EF4-FFF2-40B4-BE49-F238E27FC236}">
-                <a16:creationId xmlns:a16="http://schemas.microsoft.com/office/drawing/2014/main" id="{592B4A87-39E2-46DA-9E8F-954811CE315D}"/>
+                <a16:creationId xmlns:a16="http://schemas.microsoft.com/office/drawing/2014/main" id="{098915D1-C1BE-4E80-BFC0-235F45179813}"/>
               </a:ext>
             </a:extLst>
           </p:cNvPr>
@@ -4926,7 +4950,10 @@
           <a:bodyPr/>
           <a:lstStyle/>
           <a:p>
-            <a:endParaRPr lang="fr-CH"/>
+            <a:r>
+              <a:rPr lang="fr-CH" dirty="0"/>
+              <a:t>Avantages &amp; inconvénients</a:t>
+            </a:r>
           </a:p>
         </p:txBody>
       </p:sp>
@@ -4935,7 +4962,7 @@
           <p:cNvPr id="3" name="Espace réservé du contenu 2">
             <a:extLst>
               <a:ext uri="{FF2B5EF4-FFF2-40B4-BE49-F238E27FC236}">
-                <a16:creationId xmlns:a16="http://schemas.microsoft.com/office/drawing/2014/main" id="{60E5D4C2-F5D1-4B9C-8DB6-38C3CEB08AF6}"/>
+                <a16:creationId xmlns:a16="http://schemas.microsoft.com/office/drawing/2014/main" id="{177753B7-5832-4674-AF97-64707417AA3C}"/>
               </a:ext>
             </a:extLst>
           </p:cNvPr>
@@ -4958,7 +4985,7 @@
     </p:spTree>
     <p:extLst>
       <p:ext uri="{BB962C8B-B14F-4D97-AF65-F5344CB8AC3E}">
-        <p14:creationId xmlns:p14="http://schemas.microsoft.com/office/powerpoint/2010/main" val="1079294309"/>
+        <p14:creationId xmlns:p14="http://schemas.microsoft.com/office/powerpoint/2010/main" val="4279153644"/>
       </p:ext>
     </p:extLst>
   </p:cSld>
@@ -4990,7 +5017,7 @@
           <p:cNvPr id="2" name="Titre 1">
             <a:extLst>
               <a:ext uri="{FF2B5EF4-FFF2-40B4-BE49-F238E27FC236}">
-                <a16:creationId xmlns:a16="http://schemas.microsoft.com/office/drawing/2014/main" id="{A418B96E-F05C-41A2-9709-61901624B2CF}"/>
+                <a16:creationId xmlns:a16="http://schemas.microsoft.com/office/drawing/2014/main" id="{592B4A87-39E2-46DA-9E8F-954811CE315D}"/>
               </a:ext>
             </a:extLst>
           </p:cNvPr>
@@ -5015,7 +5042,7 @@
           <p:cNvPr id="3" name="Espace réservé du contenu 2">
             <a:extLst>
               <a:ext uri="{FF2B5EF4-FFF2-40B4-BE49-F238E27FC236}">
-                <a16:creationId xmlns:a16="http://schemas.microsoft.com/office/drawing/2014/main" id="{82DB77BA-0C32-4FD9-B0B3-F79039BB79F3}"/>
+                <a16:creationId xmlns:a16="http://schemas.microsoft.com/office/drawing/2014/main" id="{60E5D4C2-F5D1-4B9C-8DB6-38C3CEB08AF6}"/>
               </a:ext>
             </a:extLst>
           </p:cNvPr>
@@ -5038,7 +5065,7 @@
     </p:spTree>
     <p:extLst>
       <p:ext uri="{BB962C8B-B14F-4D97-AF65-F5344CB8AC3E}">
-        <p14:creationId xmlns:p14="http://schemas.microsoft.com/office/powerpoint/2010/main" val="4193622674"/>
+        <p14:creationId xmlns:p14="http://schemas.microsoft.com/office/powerpoint/2010/main" val="1079294309"/>
       </p:ext>
     </p:extLst>
   </p:cSld>
